--- a/Polish Notation.pptx
+++ b/Polish Notation.pptx
@@ -8,7 +8,8 @@
     <p:sldId id="256" r:id="rId2"/>
     <p:sldId id="257" r:id="rId3"/>
     <p:sldId id="258" r:id="rId4"/>
-    <p:sldId id="259" r:id="rId5"/>
+    <p:sldId id="260" r:id="rId5"/>
+    <p:sldId id="259" r:id="rId6"/>
   </p:sldIdLst>
   <p:sldSz cx="12192000" cy="6858000"/>
   <p:notesSz cx="6858000" cy="9144000"/>
@@ -8095,6 +8096,133 @@
           <a:p>
             <a:r>
               <a:rPr lang="en-US" dirty="0" smtClean="0"/>
+              <a:t>More rules	</a:t>
+            </a:r>
+            <a:endParaRPr lang="ro-RO" dirty="0"/>
+          </a:p>
+        </p:txBody>
+      </p:sp>
+      <p:sp>
+        <p:nvSpPr>
+          <p:cNvPr id="3" name="Content Placeholder 2"/>
+          <p:cNvSpPr>
+            <a:spLocks noGrp="1"/>
+          </p:cNvSpPr>
+          <p:nvPr>
+            <p:ph idx="1"/>
+          </p:nvPr>
+        </p:nvSpPr>
+        <p:spPr/>
+        <p:txBody>
+          <a:bodyPr/>
+          <a:lstStyle/>
+          <a:p>
+            <a:r>
+              <a:rPr lang="en-US" dirty="0" smtClean="0"/>
+              <a:t>‘-’ </a:t>
+            </a:r>
+            <a:r>
+              <a:rPr lang="en-US" dirty="0"/>
+              <a:t>can be unary or binary. ‘-’ can be unary only if:</a:t>
+            </a:r>
+          </a:p>
+          <a:p>
+            <a:pPr lvl="1"/>
+            <a:r>
+              <a:rPr lang="en-US" dirty="0"/>
+              <a:t>If the expression starts with ‘-’</a:t>
+            </a:r>
+          </a:p>
+          <a:p>
+            <a:pPr lvl="1"/>
+            <a:r>
+              <a:rPr lang="en-US" dirty="0"/>
+              <a:t>If in front of the ‘-’ I have an opening </a:t>
+            </a:r>
+            <a:r>
+              <a:rPr lang="en-US" dirty="0" err="1"/>
+              <a:t>paranthesis</a:t>
+            </a:r>
+            <a:endParaRPr lang="en-US" dirty="0"/>
+          </a:p>
+          <a:p>
+            <a:endParaRPr lang="en-US" dirty="0" smtClean="0"/>
+          </a:p>
+          <a:p>
+            <a:r>
+              <a:rPr lang="en-US" dirty="0" smtClean="0"/>
+              <a:t>Whenever we encounter consecutive ‘-’ or ‘</a:t>
+            </a:r>
+            <a:r>
+              <a:rPr lang="ro-RO" dirty="0" smtClean="0"/>
+              <a:t>¬</a:t>
+            </a:r>
+            <a:r>
+              <a:rPr lang="en-US" dirty="0" smtClean="0"/>
+              <a:t>’ in the expression with the same importance, instead of choosing the last, we will the choose the first. This ensures the right representation of </a:t>
+            </a:r>
+            <a:r>
+              <a:rPr lang="en-US" smtClean="0"/>
+              <a:t>the graph. </a:t>
+            </a:r>
+            <a:endParaRPr lang="ro-RO" dirty="0"/>
+          </a:p>
+        </p:txBody>
+      </p:sp>
+    </p:spTree>
+    <p:extLst>
+      <p:ext uri="{BB962C8B-B14F-4D97-AF65-F5344CB8AC3E}">
+        <p14:creationId xmlns:p14="http://schemas.microsoft.com/office/powerpoint/2010/main" val="2652964311"/>
+      </p:ext>
+    </p:extLst>
+  </p:cSld>
+  <p:clrMapOvr>
+    <a:masterClrMapping/>
+  </p:clrMapOvr>
+  <p:timing>
+    <p:tnLst>
+      <p:par>
+        <p:cTn id="1" dur="indefinite" restart="never" nodeType="tmRoot"/>
+      </p:par>
+    </p:tnLst>
+  </p:timing>
+</p:sld>
+</file>
+
+<file path=ppt/slides/slide5.xml><?xml version="1.0" encoding="utf-8"?>
+<p:sld xmlns:a="http://schemas.openxmlformats.org/drawingml/2006/main" xmlns:r="http://schemas.openxmlformats.org/officeDocument/2006/relationships" xmlns:p="http://schemas.openxmlformats.org/presentationml/2006/main">
+  <p:cSld>
+    <p:spTree>
+      <p:nvGrpSpPr>
+        <p:cNvPr id="1" name=""/>
+        <p:cNvGrpSpPr/>
+        <p:nvPr/>
+      </p:nvGrpSpPr>
+      <p:grpSpPr>
+        <a:xfrm>
+          <a:off x="0" y="0"/>
+          <a:ext cx="0" cy="0"/>
+          <a:chOff x="0" y="0"/>
+          <a:chExt cx="0" cy="0"/>
+        </a:xfrm>
+      </p:grpSpPr>
+      <p:sp>
+        <p:nvSpPr>
+          <p:cNvPr id="2" name="Title 1"/>
+          <p:cNvSpPr>
+            <a:spLocks noGrp="1"/>
+          </p:cNvSpPr>
+          <p:nvPr>
+            <p:ph type="title"/>
+          </p:nvPr>
+        </p:nvSpPr>
+        <p:spPr/>
+        <p:txBody>
+          <a:bodyPr/>
+          <a:lstStyle/>
+          <a:p>
+            <a:r>
+              <a:rPr lang="en-US" dirty="0" smtClean="0"/>
               <a:t>Demo</a:t>
             </a:r>
             <a:endParaRPr lang="ro-RO" dirty="0"/>
@@ -8183,7 +8311,7 @@
           <a:graphicData uri="http://schemas.openxmlformats.org/presentationml/2006/ole">
             <mc:AlternateContent xmlns:mc="http://schemas.openxmlformats.org/markup-compatibility/2006">
               <mc:Choice xmlns:v="urn:schemas-microsoft-com:vml" Requires="v">
-                <p:oleObj spid="_x0000_s1028" name="Acrobat Document" r:id="rId3" imgW="6638790" imgH="54892555" progId="AcroExch.Document.DC">
+                <p:oleObj spid="_x0000_s1031" name="Acrobat Document" r:id="rId3" imgW="6638790" imgH="54892555" progId="AcroExch.Document.DC">
                   <p:embed/>
                 </p:oleObj>
               </mc:Choice>

--- a/Polish Notation.pptx
+++ b/Polish Notation.pptx
@@ -10,6 +10,7 @@
     <p:sldId id="258" r:id="rId4"/>
     <p:sldId id="260" r:id="rId5"/>
     <p:sldId id="259" r:id="rId6"/>
+    <p:sldId id="261" r:id="rId7"/>
   </p:sldIdLst>
   <p:sldSz cx="12192000" cy="6858000"/>
   <p:notesSz cx="6858000" cy="9144000"/>
@@ -8311,7 +8312,7 @@
           <a:graphicData uri="http://schemas.openxmlformats.org/presentationml/2006/ole">
             <mc:AlternateContent xmlns:mc="http://schemas.openxmlformats.org/markup-compatibility/2006">
               <mc:Choice xmlns:v="urn:schemas-microsoft-com:vml" Requires="v">
-                <p:oleObj spid="_x0000_s1031" name="Acrobat Document" r:id="rId3" imgW="6638790" imgH="54892555" progId="AcroExch.Document.DC">
+                <p:oleObj spid="_x0000_s1032" name="Acrobat Document" r:id="rId3" imgW="6638790" imgH="54892555" progId="AcroExch.Document.DC">
                   <p:embed/>
                 </p:oleObj>
               </mc:Choice>
@@ -8363,6 +8364,81 @@
       </p:par>
     </p:tnLst>
   </p:timing>
+</p:sld>
+</file>
+
+<file path=ppt/slides/slide6.xml><?xml version="1.0" encoding="utf-8"?>
+<p:sld xmlns:a="http://schemas.openxmlformats.org/drawingml/2006/main" xmlns:r="http://schemas.openxmlformats.org/officeDocument/2006/relationships" xmlns:p="http://schemas.openxmlformats.org/presentationml/2006/main">
+  <p:cSld>
+    <p:spTree>
+      <p:nvGrpSpPr>
+        <p:cNvPr id="1" name=""/>
+        <p:cNvGrpSpPr/>
+        <p:nvPr/>
+      </p:nvGrpSpPr>
+      <p:grpSpPr>
+        <a:xfrm>
+          <a:off x="0" y="0"/>
+          <a:ext cx="0" cy="0"/>
+          <a:chOff x="0" y="0"/>
+          <a:chExt cx="0" cy="0"/>
+        </a:xfrm>
+      </p:grpSpPr>
+      <p:sp>
+        <p:nvSpPr>
+          <p:cNvPr id="2" name="Title 1"/>
+          <p:cNvSpPr>
+            <a:spLocks noGrp="1"/>
+          </p:cNvSpPr>
+          <p:nvPr>
+            <p:ph type="title"/>
+          </p:nvPr>
+        </p:nvSpPr>
+        <p:spPr/>
+        <p:txBody>
+          <a:bodyPr/>
+          <a:lstStyle/>
+          <a:p>
+            <a:r>
+              <a:rPr lang="en-US" dirty="0" err="1" smtClean="0"/>
+              <a:t>Github</a:t>
+            </a:r>
+            <a:endParaRPr lang="ro-RO" dirty="0"/>
+          </a:p>
+        </p:txBody>
+      </p:sp>
+      <p:sp>
+        <p:nvSpPr>
+          <p:cNvPr id="3" name="Content Placeholder 2"/>
+          <p:cNvSpPr>
+            <a:spLocks noGrp="1"/>
+          </p:cNvSpPr>
+          <p:nvPr>
+            <p:ph idx="1"/>
+          </p:nvPr>
+        </p:nvSpPr>
+        <p:spPr/>
+        <p:txBody>
+          <a:bodyPr/>
+          <a:lstStyle/>
+          <a:p>
+            <a:r>
+              <a:rPr lang="ro-RO"/>
+              <a:t>https://github.com/Lucky13forever/Polish-Notation</a:t>
+            </a:r>
+          </a:p>
+        </p:txBody>
+      </p:sp>
+    </p:spTree>
+    <p:extLst>
+      <p:ext uri="{BB962C8B-B14F-4D97-AF65-F5344CB8AC3E}">
+        <p14:creationId xmlns:p14="http://schemas.microsoft.com/office/powerpoint/2010/main" val="1330827598"/>
+      </p:ext>
+    </p:extLst>
+  </p:cSld>
+  <p:clrMapOvr>
+    <a:masterClrMapping/>
+  </p:clrMapOvr>
 </p:sld>
 </file>
 

--- a/Polish Notation.pptx
+++ b/Polish Notation.pptx
@@ -8312,7 +8312,7 @@
           <a:graphicData uri="http://schemas.openxmlformats.org/presentationml/2006/ole">
             <mc:AlternateContent xmlns:mc="http://schemas.openxmlformats.org/markup-compatibility/2006">
               <mc:Choice xmlns:v="urn:schemas-microsoft-com:vml" Requires="v">
-                <p:oleObj spid="_x0000_s1032" name="Acrobat Document" r:id="rId3" imgW="6638790" imgH="54892555" progId="AcroExch.Document.DC">
+                <p:oleObj spid="_x0000_s1034" name="Acrobat Document" r:id="rId3" imgW="6638790" imgH="54892555" progId="AcroExch.Document.DC">
                   <p:embed/>
                 </p:oleObj>
               </mc:Choice>
@@ -8423,9 +8423,22 @@
           <a:lstStyle/>
           <a:p>
             <a:r>
-              <a:rPr lang="ro-RO"/>
-              <a:t>https://github.com/Lucky13forever/Polish-Notation</a:t>
-            </a:r>
+              <a:rPr lang="ro-RO" dirty="0">
+                <a:hlinkClick r:id="rId2"/>
+              </a:rPr>
+              <a:t>https://</a:t>
+            </a:r>
+            <a:r>
+              <a:rPr lang="ro-RO" dirty="0" smtClean="0">
+                <a:hlinkClick r:id="rId2"/>
+              </a:rPr>
+              <a:t>github.com/Lucky13forever/Polish-Notation</a:t>
+            </a:r>
+            <a:r>
+              <a:rPr lang="en-US" dirty="0" smtClean="0"/>
+              <a:t> </a:t>
+            </a:r>
+            <a:endParaRPr lang="ro-RO" dirty="0"/>
           </a:p>
         </p:txBody>
       </p:sp>

--- a/Polish Notation.pptx
+++ b/Polish Notation.pptx
@@ -402,7 +402,7 @@
           <a:p>
             <a:fld id="{928BF35C-8E5F-418E-8070-958427A1D100}" type="datetimeFigureOut">
               <a:rPr lang="ro-RO" smtClean="0"/>
-              <a:t>04.03.2022</a:t>
+              <a:t>05.03.2022</a:t>
             </a:fld>
             <a:endParaRPr lang="ro-RO"/>
           </a:p>
@@ -816,7 +816,7 @@
           <a:p>
             <a:fld id="{928BF35C-8E5F-418E-8070-958427A1D100}" type="datetimeFigureOut">
               <a:rPr lang="ro-RO" smtClean="0"/>
-              <a:t>04.03.2022</a:t>
+              <a:t>05.03.2022</a:t>
             </a:fld>
             <a:endParaRPr lang="ro-RO"/>
           </a:p>
@@ -1152,7 +1152,7 @@
           <a:p>
             <a:fld id="{928BF35C-8E5F-418E-8070-958427A1D100}" type="datetimeFigureOut">
               <a:rPr lang="ro-RO" smtClean="0"/>
-              <a:t>04.03.2022</a:t>
+              <a:t>05.03.2022</a:t>
             </a:fld>
             <a:endParaRPr lang="ro-RO"/>
           </a:p>
@@ -1557,7 +1557,7 @@
           <a:p>
             <a:fld id="{928BF35C-8E5F-418E-8070-958427A1D100}" type="datetimeFigureOut">
               <a:rPr lang="ro-RO" smtClean="0"/>
-              <a:t>04.03.2022</a:t>
+              <a:t>05.03.2022</a:t>
             </a:fld>
             <a:endParaRPr lang="ro-RO"/>
           </a:p>
@@ -2125,7 +2125,7 @@
           <a:p>
             <a:fld id="{928BF35C-8E5F-418E-8070-958427A1D100}" type="datetimeFigureOut">
               <a:rPr lang="ro-RO" smtClean="0"/>
-              <a:t>04.03.2022</a:t>
+              <a:t>05.03.2022</a:t>
             </a:fld>
             <a:endParaRPr lang="ro-RO"/>
           </a:p>
@@ -2806,7 +2806,7 @@
           <a:p>
             <a:fld id="{928BF35C-8E5F-418E-8070-958427A1D100}" type="datetimeFigureOut">
               <a:rPr lang="ro-RO" smtClean="0"/>
-              <a:t>04.03.2022</a:t>
+              <a:t>05.03.2022</a:t>
             </a:fld>
             <a:endParaRPr lang="ro-RO"/>
           </a:p>
@@ -3719,7 +3719,7 @@
           <a:p>
             <a:fld id="{928BF35C-8E5F-418E-8070-958427A1D100}" type="datetimeFigureOut">
               <a:rPr lang="ro-RO" smtClean="0"/>
-              <a:t>04.03.2022</a:t>
+              <a:t>05.03.2022</a:t>
             </a:fld>
             <a:endParaRPr lang="ro-RO"/>
           </a:p>
@@ -4032,7 +4032,7 @@
           <a:p>
             <a:fld id="{928BF35C-8E5F-418E-8070-958427A1D100}" type="datetimeFigureOut">
               <a:rPr lang="ro-RO" smtClean="0"/>
-              <a:t>04.03.2022</a:t>
+              <a:t>05.03.2022</a:t>
             </a:fld>
             <a:endParaRPr lang="ro-RO"/>
           </a:p>
@@ -4296,7 +4296,7 @@
           <a:p>
             <a:fld id="{928BF35C-8E5F-418E-8070-958427A1D100}" type="datetimeFigureOut">
               <a:rPr lang="ro-RO" smtClean="0"/>
-              <a:t>04.03.2022</a:t>
+              <a:t>05.03.2022</a:t>
             </a:fld>
             <a:endParaRPr lang="ro-RO"/>
           </a:p>
@@ -4619,7 +4619,7 @@
           <a:p>
             <a:fld id="{928BF35C-8E5F-418E-8070-958427A1D100}" type="datetimeFigureOut">
               <a:rPr lang="ro-RO" smtClean="0"/>
-              <a:t>04.03.2022</a:t>
+              <a:t>05.03.2022</a:t>
             </a:fld>
             <a:endParaRPr lang="ro-RO"/>
           </a:p>
@@ -5008,7 +5008,7 @@
           <a:p>
             <a:fld id="{928BF35C-8E5F-418E-8070-958427A1D100}" type="datetimeFigureOut">
               <a:rPr lang="ro-RO" smtClean="0"/>
-              <a:t>04.03.2022</a:t>
+              <a:t>05.03.2022</a:t>
             </a:fld>
             <a:endParaRPr lang="ro-RO"/>
           </a:p>
@@ -5384,7 +5384,7 @@
           <a:p>
             <a:fld id="{928BF35C-8E5F-418E-8070-958427A1D100}" type="datetimeFigureOut">
               <a:rPr lang="ro-RO" smtClean="0"/>
-              <a:t>04.03.2022</a:t>
+              <a:t>05.03.2022</a:t>
             </a:fld>
             <a:endParaRPr lang="ro-RO"/>
           </a:p>
@@ -5890,7 +5890,7 @@
           <a:p>
             <a:fld id="{928BF35C-8E5F-418E-8070-958427A1D100}" type="datetimeFigureOut">
               <a:rPr lang="ro-RO" smtClean="0"/>
-              <a:t>04.03.2022</a:t>
+              <a:t>05.03.2022</a:t>
             </a:fld>
             <a:endParaRPr lang="ro-RO"/>
           </a:p>
@@ -6147,7 +6147,7 @@
           <a:p>
             <a:fld id="{928BF35C-8E5F-418E-8070-958427A1D100}" type="datetimeFigureOut">
               <a:rPr lang="ro-RO" smtClean="0"/>
-              <a:t>04.03.2022</a:t>
+              <a:t>05.03.2022</a:t>
             </a:fld>
             <a:endParaRPr lang="ro-RO"/>
           </a:p>
@@ -6310,7 +6310,7 @@
           <a:p>
             <a:fld id="{928BF35C-8E5F-418E-8070-958427A1D100}" type="datetimeFigureOut">
               <a:rPr lang="ro-RO" smtClean="0"/>
-              <a:t>04.03.2022</a:t>
+              <a:t>05.03.2022</a:t>
             </a:fld>
             <a:endParaRPr lang="ro-RO"/>
           </a:p>
@@ -6700,7 +6700,7 @@
           <a:p>
             <a:fld id="{928BF35C-8E5F-418E-8070-958427A1D100}" type="datetimeFigureOut">
               <a:rPr lang="ro-RO" smtClean="0"/>
-              <a:t>04.03.2022</a:t>
+              <a:t>05.03.2022</a:t>
             </a:fld>
             <a:endParaRPr lang="ro-RO"/>
           </a:p>
@@ -7109,7 +7109,7 @@
           <a:p>
             <a:fld id="{928BF35C-8E5F-418E-8070-958427A1D100}" type="datetimeFigureOut">
               <a:rPr lang="ro-RO" smtClean="0"/>
-              <a:t>04.03.2022</a:t>
+              <a:t>05.03.2022</a:t>
             </a:fld>
             <a:endParaRPr lang="ro-RO"/>
           </a:p>
@@ -7353,7 +7353,7 @@
           <a:p>
             <a:fld id="{928BF35C-8E5F-418E-8070-958427A1D100}" type="datetimeFigureOut">
               <a:rPr lang="ro-RO" smtClean="0"/>
-              <a:t>04.03.2022</a:t>
+              <a:t>05.03.2022</a:t>
             </a:fld>
             <a:endParaRPr lang="ro-RO"/>
           </a:p>
@@ -8312,7 +8312,7 @@
           <a:graphicData uri="http://schemas.openxmlformats.org/presentationml/2006/ole">
             <mc:AlternateContent xmlns:mc="http://schemas.openxmlformats.org/markup-compatibility/2006">
               <mc:Choice xmlns:v="urn:schemas-microsoft-com:vml" Requires="v">
-                <p:oleObj spid="_x0000_s1034" name="Acrobat Document" r:id="rId3" imgW="6638790" imgH="54892555" progId="AcroExch.Document.DC">
+                <p:oleObj spid="_x0000_s1035" name="Acrobat Document" r:id="rId3" imgW="6638790" imgH="54892555" progId="AcroExch.Document.DC">
                   <p:embed/>
                 </p:oleObj>
               </mc:Choice>
@@ -8423,10 +8423,30 @@
           <a:lstStyle/>
           <a:p>
             <a:r>
+              <a:rPr lang="en-US" dirty="0" smtClean="0"/>
+              <a:t>For more tests go to the following link:</a:t>
+            </a:r>
+            <a:endParaRPr lang="en-US" dirty="0" smtClean="0">
+              <a:hlinkClick r:id="rId2"/>
+            </a:endParaRPr>
+          </a:p>
+          <a:p>
+            <a:endParaRPr lang="en-US" dirty="0">
+              <a:hlinkClick r:id="rId2"/>
+            </a:endParaRPr>
+          </a:p>
+          <a:p>
+            <a:r>
+              <a:rPr lang="ro-RO" dirty="0" smtClean="0">
+                <a:hlinkClick r:id="rId2"/>
+              </a:rPr>
+              <a:t>https</a:t>
+            </a:r>
+            <a:r>
               <a:rPr lang="ro-RO" dirty="0">
                 <a:hlinkClick r:id="rId2"/>
               </a:rPr>
-              <a:t>https://</a:t>
+              <a:t>://</a:t>
             </a:r>
             <a:r>
               <a:rPr lang="ro-RO" dirty="0" smtClean="0">
@@ -8452,6 +8472,13 @@
   <p:clrMapOvr>
     <a:masterClrMapping/>
   </p:clrMapOvr>
+  <p:timing>
+    <p:tnLst>
+      <p:par>
+        <p:cTn id="1" dur="indefinite" restart="never" nodeType="tmRoot"/>
+      </p:par>
+    </p:tnLst>
+  </p:timing>
 </p:sld>
 </file>
 
